--- a/drought/skill-assessment/Model Event Data/Presentation/Model_event_data_Uganda.pptx
+++ b/drought/skill-assessment/Model Event Data/Presentation/Model_event_data_Uganda.pptx
@@ -223,7 +223,7 @@
           <a:p>
             <a:fld id="{42EEF2B8-3EC2-44DC-9454-E063F7E8D857}" type="datetimeFigureOut">
               <a:rPr lang="en-US" smtClean="0"/>
-              <a:t>5/24/2020</a:t>
+              <a:t>5/25/2020</a:t>
             </a:fld>
             <a:endParaRPr lang="en-US"/>
           </a:p>
@@ -1294,7 +1294,7 @@
           <a:p>
             <a:fld id="{DE3DCEDE-50F7-432E-8412-A1E0B7263003}" type="datetimeFigureOut">
               <a:rPr lang="en-US" smtClean="0"/>
-              <a:t>5/24/2020</a:t>
+              <a:t>5/25/2020</a:t>
             </a:fld>
             <a:endParaRPr lang="en-US"/>
           </a:p>
@@ -1464,7 +1464,7 @@
           <a:p>
             <a:fld id="{DE3DCEDE-50F7-432E-8412-A1E0B7263003}" type="datetimeFigureOut">
               <a:rPr lang="en-US" smtClean="0"/>
-              <a:t>5/24/2020</a:t>
+              <a:t>5/25/2020</a:t>
             </a:fld>
             <a:endParaRPr lang="en-US"/>
           </a:p>
@@ -1644,7 +1644,7 @@
           <a:p>
             <a:fld id="{DE3DCEDE-50F7-432E-8412-A1E0B7263003}" type="datetimeFigureOut">
               <a:rPr lang="en-US" smtClean="0"/>
-              <a:t>5/24/2020</a:t>
+              <a:t>5/25/2020</a:t>
             </a:fld>
             <a:endParaRPr lang="en-US"/>
           </a:p>
@@ -1814,7 +1814,7 @@
           <a:p>
             <a:fld id="{DE3DCEDE-50F7-432E-8412-A1E0B7263003}" type="datetimeFigureOut">
               <a:rPr lang="en-US" smtClean="0"/>
-              <a:t>5/24/2020</a:t>
+              <a:t>5/25/2020</a:t>
             </a:fld>
             <a:endParaRPr lang="en-US"/>
           </a:p>
@@ -2060,7 +2060,7 @@
           <a:p>
             <a:fld id="{DE3DCEDE-50F7-432E-8412-A1E0B7263003}" type="datetimeFigureOut">
               <a:rPr lang="en-US" smtClean="0"/>
-              <a:t>5/24/2020</a:t>
+              <a:t>5/25/2020</a:t>
             </a:fld>
             <a:endParaRPr lang="en-US"/>
           </a:p>
@@ -2292,7 +2292,7 @@
           <a:p>
             <a:fld id="{DE3DCEDE-50F7-432E-8412-A1E0B7263003}" type="datetimeFigureOut">
               <a:rPr lang="en-US" smtClean="0"/>
-              <a:t>5/24/2020</a:t>
+              <a:t>5/25/2020</a:t>
             </a:fld>
             <a:endParaRPr lang="en-US"/>
           </a:p>
@@ -2659,7 +2659,7 @@
           <a:p>
             <a:fld id="{DE3DCEDE-50F7-432E-8412-A1E0B7263003}" type="datetimeFigureOut">
               <a:rPr lang="en-US" smtClean="0"/>
-              <a:t>5/24/2020</a:t>
+              <a:t>5/25/2020</a:t>
             </a:fld>
             <a:endParaRPr lang="en-US"/>
           </a:p>
@@ -2777,7 +2777,7 @@
           <a:p>
             <a:fld id="{DE3DCEDE-50F7-432E-8412-A1E0B7263003}" type="datetimeFigureOut">
               <a:rPr lang="en-US" smtClean="0"/>
-              <a:t>5/24/2020</a:t>
+              <a:t>5/25/2020</a:t>
             </a:fld>
             <a:endParaRPr lang="en-US"/>
           </a:p>
@@ -2872,7 +2872,7 @@
           <a:p>
             <a:fld id="{DE3DCEDE-50F7-432E-8412-A1E0B7263003}" type="datetimeFigureOut">
               <a:rPr lang="en-US" smtClean="0"/>
-              <a:t>5/24/2020</a:t>
+              <a:t>5/25/2020</a:t>
             </a:fld>
             <a:endParaRPr lang="en-US"/>
           </a:p>
@@ -3149,7 +3149,7 @@
           <a:p>
             <a:fld id="{DE3DCEDE-50F7-432E-8412-A1E0B7263003}" type="datetimeFigureOut">
               <a:rPr lang="en-US" smtClean="0"/>
-              <a:t>5/24/2020</a:t>
+              <a:t>5/25/2020</a:t>
             </a:fld>
             <a:endParaRPr lang="en-US"/>
           </a:p>
@@ -3402,7 +3402,7 @@
           <a:p>
             <a:fld id="{DE3DCEDE-50F7-432E-8412-A1E0B7263003}" type="datetimeFigureOut">
               <a:rPr lang="en-US" smtClean="0"/>
-              <a:t>5/24/2020</a:t>
+              <a:t>5/25/2020</a:t>
             </a:fld>
             <a:endParaRPr lang="en-US"/>
           </a:p>
@@ -3615,7 +3615,7 @@
           <a:p>
             <a:fld id="{DE3DCEDE-50F7-432E-8412-A1E0B7263003}" type="datetimeFigureOut">
               <a:rPr lang="en-US" smtClean="0"/>
-              <a:t>5/24/2020</a:t>
+              <a:t>5/25/2020</a:t>
             </a:fld>
             <a:endParaRPr lang="en-US"/>
           </a:p>
@@ -4361,8 +4361,8 @@
           </a:p>
         </p:txBody>
       </p:sp>
-      <mc:AlternateContent xmlns:mc="http://schemas.openxmlformats.org/markup-compatibility/2006">
-        <mc:Choice xmlns:a14="http://schemas.microsoft.com/office/drawing/2010/main" Requires="a14">
+      <mc:AlternateContent xmlns:mc="http://schemas.openxmlformats.org/markup-compatibility/2006" xmlns:a14="http://schemas.microsoft.com/office/drawing/2010/main">
+        <mc:Choice Requires="a14">
           <p:sp>
             <p:nvSpPr>
               <p:cNvPr id="3" name="Content Placeholder 2"/>
@@ -4425,7 +4425,7 @@
             </p:txBody>
           </p:sp>
         </mc:Choice>
-        <mc:Fallback>
+        <mc:Fallback xmlns="">
           <p:sp>
             <p:nvSpPr>
               <p:cNvPr id="3" name="Content Placeholder 2"/>
@@ -4493,8 +4493,8 @@
           </a:prstGeom>
         </p:spPr>
       </p:pic>
-      <mc:AlternateContent xmlns:mc="http://schemas.openxmlformats.org/markup-compatibility/2006">
-        <mc:Choice xmlns:a14="http://schemas.microsoft.com/office/drawing/2010/main" Requires="a14">
+      <mc:AlternateContent xmlns:mc="http://schemas.openxmlformats.org/markup-compatibility/2006" xmlns:a14="http://schemas.microsoft.com/office/drawing/2010/main">
+        <mc:Choice Requires="a14">
           <p:sp>
             <p:nvSpPr>
               <p:cNvPr id="5" name="Rectangle 4"/>
@@ -4541,7 +4541,7 @@
             </p:txBody>
           </p:sp>
         </mc:Choice>
-        <mc:Fallback>
+        <mc:Fallback xmlns="">
           <p:sp>
             <p:nvSpPr>
               <p:cNvPr id="5" name="Rectangle 4"/>
@@ -4963,8 +4963,8 @@
           </a:p>
         </p:txBody>
       </p:sp>
-      <mc:AlternateContent xmlns:mc="http://schemas.openxmlformats.org/markup-compatibility/2006">
-        <mc:Choice xmlns:a14="http://schemas.microsoft.com/office/drawing/2010/main" Requires="a14">
+      <mc:AlternateContent xmlns:mc="http://schemas.openxmlformats.org/markup-compatibility/2006" xmlns:a14="http://schemas.microsoft.com/office/drawing/2010/main">
+        <mc:Choice Requires="a14">
           <p:sp>
             <p:nvSpPr>
               <p:cNvPr id="3" name="Content Placeholder 2"/>
@@ -5034,7 +5034,7 @@
             </p:txBody>
           </p:sp>
         </mc:Choice>
-        <mc:Fallback>
+        <mc:Fallback xmlns="">
           <p:sp>
             <p:nvSpPr>
               <p:cNvPr id="3" name="Content Placeholder 2"/>
@@ -5072,8 +5072,8 @@
           </p:sp>
         </mc:Fallback>
       </mc:AlternateContent>
-      <mc:AlternateContent xmlns:mc="http://schemas.openxmlformats.org/markup-compatibility/2006">
-        <mc:Choice xmlns:a14="http://schemas.microsoft.com/office/drawing/2010/main" Requires="a14">
+      <mc:AlternateContent xmlns:mc="http://schemas.openxmlformats.org/markup-compatibility/2006" xmlns:a14="http://schemas.microsoft.com/office/drawing/2010/main">
+        <mc:Choice Requires="a14">
           <p:sp>
             <p:nvSpPr>
               <p:cNvPr id="5" name="Rectangle 4"/>
@@ -5132,7 +5132,7 @@
             </p:txBody>
           </p:sp>
         </mc:Choice>
-        <mc:Fallback>
+        <mc:Fallback xmlns="">
           <p:sp>
             <p:nvSpPr>
               <p:cNvPr id="5" name="Rectangle 4"/>
@@ -7176,8 +7176,8 @@
           </a:p>
         </p:txBody>
       </p:sp>
-      <mc:AlternateContent xmlns:mc="http://schemas.openxmlformats.org/markup-compatibility/2006">
-        <mc:Choice xmlns:a14="http://schemas.microsoft.com/office/drawing/2010/main" Requires="a14">
+      <mc:AlternateContent xmlns:mc="http://schemas.openxmlformats.org/markup-compatibility/2006" xmlns:a14="http://schemas.microsoft.com/office/drawing/2010/main">
+        <mc:Choice Requires="a14">
           <p:sp>
             <p:nvSpPr>
               <p:cNvPr id="5" name="TextBox 4"/>
@@ -7200,6 +7200,7 @@
               </a:bodyPr>
               <a:lstStyle/>
               <a:p>
+                <a:pPr/>
                 <a14:m>
                   <m:oMathPara xmlns:m="http://schemas.openxmlformats.org/officeDocument/2006/math">
                     <m:oMathParaPr>
@@ -7264,7 +7265,7 @@
                       <m:d>
                         <m:dPr>
                           <m:ctrlPr>
-                            <a:rPr lang="en-US" sz="2400" b="1" smtClean="0">
+                            <a:rPr lang="en-US" sz="2400" b="1" i="1" smtClean="0">
                               <a:solidFill>
                                 <a:srgbClr val="C00000"/>
                               </a:solidFill>
@@ -7421,7 +7422,7 @@
             </p:txBody>
           </p:sp>
         </mc:Choice>
-        <mc:Fallback>
+        <mc:Fallback xmlns="">
           <p:sp>
             <p:nvSpPr>
               <p:cNvPr id="5" name="TextBox 4"/>
@@ -10061,8 +10062,8 @@
           </a:p>
         </p:txBody>
       </p:sp>
-      <mc:AlternateContent xmlns:mc="http://schemas.openxmlformats.org/markup-compatibility/2006">
-        <mc:Choice xmlns:a14="http://schemas.microsoft.com/office/drawing/2010/main" Requires="a14">
+      <mc:AlternateContent xmlns:mc="http://schemas.openxmlformats.org/markup-compatibility/2006" xmlns:a14="http://schemas.microsoft.com/office/drawing/2010/main">
+        <mc:Choice Requires="a14">
           <p:sp>
             <p:nvSpPr>
               <p:cNvPr id="3" name="Content Placeholder 2"/>
@@ -10120,7 +10121,7 @@
             </p:txBody>
           </p:sp>
         </mc:Choice>
-        <mc:Fallback>
+        <mc:Fallback xmlns="">
           <p:sp>
             <p:nvSpPr>
               <p:cNvPr id="3" name="Content Placeholder 2"/>
@@ -10158,8 +10159,8 @@
           </p:sp>
         </mc:Fallback>
       </mc:AlternateContent>
-      <mc:AlternateContent xmlns:mc="http://schemas.openxmlformats.org/markup-compatibility/2006">
-        <mc:Choice xmlns:a14="http://schemas.microsoft.com/office/drawing/2010/main" Requires="a14">
+      <mc:AlternateContent xmlns:mc="http://schemas.openxmlformats.org/markup-compatibility/2006" xmlns:a14="http://schemas.microsoft.com/office/drawing/2010/main">
+        <mc:Choice Requires="a14">
           <p:sp>
             <p:nvSpPr>
               <p:cNvPr id="4" name="Content Placeholder 2"/>
@@ -10386,7 +10387,7 @@
             </p:txBody>
           </p:sp>
         </mc:Choice>
-        <mc:Fallback>
+        <mc:Fallback xmlns="">
           <p:sp>
             <p:nvSpPr>
               <p:cNvPr id="4" name="Content Placeholder 2"/>
@@ -10425,8 +10426,8 @@
           </p:sp>
         </mc:Fallback>
       </mc:AlternateContent>
-      <mc:AlternateContent xmlns:mc="http://schemas.openxmlformats.org/markup-compatibility/2006">
-        <mc:Choice xmlns:a14="http://schemas.microsoft.com/office/drawing/2010/main" Requires="a14">
+      <mc:AlternateContent xmlns:mc="http://schemas.openxmlformats.org/markup-compatibility/2006" xmlns:a14="http://schemas.microsoft.com/office/drawing/2010/main">
+        <mc:Choice Requires="a14">
           <p:sp>
             <p:nvSpPr>
               <p:cNvPr id="6" name="TextBox 5"/>
@@ -10449,6 +10450,7 @@
               </a:bodyPr>
               <a:lstStyle/>
               <a:p>
+                <a:pPr/>
                 <a14:m>
                   <m:oMathPara xmlns:m="http://schemas.openxmlformats.org/officeDocument/2006/math">
                     <m:oMathParaPr>
@@ -10504,7 +10506,7 @@
                       <m:d>
                         <m:dPr>
                           <m:ctrlPr>
-                            <a:rPr lang="en-US" sz="2800" b="0" smtClean="0">
+                            <a:rPr lang="en-US" sz="2800" b="0" i="1" smtClean="0">
                               <a:solidFill>
                                 <a:srgbClr val="C00000"/>
                               </a:solidFill>
@@ -10564,7 +10566,7 @@
             </p:txBody>
           </p:sp>
         </mc:Choice>
-        <mc:Fallback>
+        <mc:Fallback xmlns="">
           <p:sp>
             <p:nvSpPr>
               <p:cNvPr id="6" name="TextBox 5"/>
@@ -10726,8 +10728,8 @@
           </a:xfrm>
         </p:spPr>
       </p:pic>
-      <mc:AlternateContent xmlns:mc="http://schemas.openxmlformats.org/markup-compatibility/2006">
-        <mc:Choice xmlns:a14="http://schemas.microsoft.com/office/drawing/2010/main" Requires="a14">
+      <mc:AlternateContent xmlns:mc="http://schemas.openxmlformats.org/markup-compatibility/2006" xmlns:a14="http://schemas.microsoft.com/office/drawing/2010/main">
+        <mc:Choice Requires="a14">
           <p:sp>
             <p:nvSpPr>
               <p:cNvPr id="5" name="TextBox 4"/>
@@ -10796,7 +10798,7 @@
             </p:txBody>
           </p:sp>
         </mc:Choice>
-        <mc:Fallback>
+        <mc:Fallback xmlns="">
           <p:sp>
             <p:nvSpPr>
               <p:cNvPr id="5" name="TextBox 4"/>
@@ -10964,8 +10966,8 @@
           </a:prstGeom>
         </p:spPr>
       </p:pic>
-      <mc:AlternateContent xmlns:mc="http://schemas.openxmlformats.org/markup-compatibility/2006">
-        <mc:Choice xmlns:a14="http://schemas.microsoft.com/office/drawing/2010/main" Requires="a14">
+      <mc:AlternateContent xmlns:mc="http://schemas.openxmlformats.org/markup-compatibility/2006" xmlns:a14="http://schemas.microsoft.com/office/drawing/2010/main">
+        <mc:Choice Requires="a14">
           <p:sp>
             <p:nvSpPr>
               <p:cNvPr id="8" name="Rectangle 7"/>
@@ -11033,7 +11035,7 @@
             </p:txBody>
           </p:sp>
         </mc:Choice>
-        <mc:Fallback>
+        <mc:Fallback xmlns="">
           <p:sp>
             <p:nvSpPr>
               <p:cNvPr id="8" name="Rectangle 7"/>
@@ -11201,8 +11203,8 @@
           </a:prstGeom>
         </p:spPr>
       </p:pic>
-      <mc:AlternateContent xmlns:mc="http://schemas.openxmlformats.org/markup-compatibility/2006">
-        <mc:Choice xmlns:a14="http://schemas.microsoft.com/office/drawing/2010/main" Requires="a14">
+      <mc:AlternateContent xmlns:mc="http://schemas.openxmlformats.org/markup-compatibility/2006" xmlns:a14="http://schemas.microsoft.com/office/drawing/2010/main">
+        <mc:Choice Requires="a14">
           <p:sp>
             <p:nvSpPr>
               <p:cNvPr id="5" name="TextBox 4"/>
@@ -11279,7 +11281,7 @@
             </p:txBody>
           </p:sp>
         </mc:Choice>
-        <mc:Fallback>
+        <mc:Fallback xmlns="">
           <p:sp>
             <p:nvSpPr>
               <p:cNvPr id="5" name="TextBox 4"/>
@@ -11477,8 +11479,8 @@
           </a:prstGeom>
         </p:spPr>
       </p:pic>
-      <mc:AlternateContent xmlns:mc="http://schemas.openxmlformats.org/markup-compatibility/2006">
-        <mc:Choice xmlns:a14="http://schemas.microsoft.com/office/drawing/2010/main" Requires="a14">
+      <mc:AlternateContent xmlns:mc="http://schemas.openxmlformats.org/markup-compatibility/2006" xmlns:a14="http://schemas.microsoft.com/office/drawing/2010/main">
+        <mc:Choice Requires="a14">
           <p:sp>
             <p:nvSpPr>
               <p:cNvPr id="6" name="Rectangle 5"/>
@@ -11532,7 +11534,7 @@
             </p:txBody>
           </p:sp>
         </mc:Choice>
-        <mc:Fallback>
+        <mc:Fallback xmlns="">
           <p:sp>
             <p:nvSpPr>
               <p:cNvPr id="6" name="Rectangle 5"/>
@@ -11998,7 +12000,23 @@
             </a:pPr>
             <a:r>
               <a:rPr lang="en-US" b="1" i="1" dirty="0" smtClean="0"/>
-              <a:t>How Far we can go back in time? </a:t>
+              <a:t>How </a:t>
+            </a:r>
+            <a:r>
+              <a:rPr lang="en-US" b="1" i="1" smtClean="0"/>
+              <a:t>Far </a:t>
+            </a:r>
+            <a:r>
+              <a:rPr lang="en-US" b="1" i="1" smtClean="0"/>
+              <a:t>can we</a:t>
+            </a:r>
+            <a:r>
+              <a:rPr lang="en-US" b="1" i="1" smtClean="0"/>
+              <a:t> </a:t>
+            </a:r>
+            <a:r>
+              <a:rPr lang="en-US" b="1" i="1" dirty="0" smtClean="0"/>
+              <a:t>go back in time? </a:t>
             </a:r>
             <a:endParaRPr lang="en-US" b="1" i="1" dirty="0"/>
           </a:p>
@@ -13084,11 +13102,7 @@
             <a:pPr algn="just"/>
             <a:r>
               <a:rPr lang="en-US" sz="2400" i="1" dirty="0" smtClean="0"/>
-              <a:t>Distribution of the drought reports between 2000 and 2019 across Uganda </a:t>
-            </a:r>
-            <a:r>
-              <a:rPr lang="en-US" sz="2400" i="1" dirty="0" smtClean="0"/>
-              <a:t>districts</a:t>
+              <a:t>Distribution of the drought reports between 2000 and 2019 across Uganda districts</a:t>
             </a:r>
             <a:endParaRPr lang="en-US" sz="2400" i="1" dirty="0"/>
           </a:p>
@@ -13834,21 +13848,8 @@
                   <a:srgbClr val="FF0000"/>
                 </a:solidFill>
               </a:rPr>
-              <a:t>Data </a:t>
-            </a:r>
-            <a:r>
-              <a:rPr lang="en-US" dirty="0" smtClean="0">
-                <a:solidFill>
-                  <a:srgbClr val="FF0000"/>
-                </a:solidFill>
-              </a:rPr>
-              <a:t>Filtering (reducing):</a:t>
-            </a:r>
-            <a:endParaRPr lang="en-US" dirty="0" smtClean="0">
-              <a:solidFill>
-                <a:srgbClr val="FF0000"/>
-              </a:solidFill>
-            </a:endParaRPr>
+              <a:t>Data Filtering (reducing):</a:t>
+            </a:r>
           </a:p>
           <a:p>
             <a:endParaRPr lang="en-US" dirty="0" smtClean="0">
@@ -14087,41 +14088,7 @@
                   </a:outerShdw>
                 </a:effectLst>
               </a:rPr>
-              <a:t>Data Exploration: </a:t>
-            </a:r>
-            <a:r>
-              <a:rPr lang="en-US" sz="4000" b="1" dirty="0" smtClean="0">
-                <a:solidFill>
-                  <a:schemeClr val="accent1">
-                    <a:lumMod val="75000"/>
-                  </a:schemeClr>
-                </a:solidFill>
-                <a:effectLst>
-                  <a:outerShdw blurRad="38100" dist="38100" dir="2700000" algn="tl">
-                    <a:srgbClr val="000000">
-                      <a:alpha val="43137"/>
-                    </a:srgbClr>
-                  </a:outerShdw>
-                </a:effectLst>
-              </a:rPr>
-              <a:t>correlations </a:t>
-            </a:r>
-            <a:r>
-              <a:rPr lang="en-US" sz="4000" b="1" dirty="0" smtClean="0">
-                <a:solidFill>
-                  <a:schemeClr val="accent1">
-                    <a:lumMod val="75000"/>
-                  </a:schemeClr>
-                </a:solidFill>
-                <a:effectLst>
-                  <a:outerShdw blurRad="38100" dist="38100" dir="2700000" algn="tl">
-                    <a:srgbClr val="000000">
-                      <a:alpha val="43137"/>
-                    </a:srgbClr>
-                  </a:outerShdw>
-                </a:effectLst>
-              </a:rPr>
-              <a:t>between features</a:t>
+              <a:t>Data Exploration: correlations between features</a:t>
             </a:r>
             <a:endParaRPr lang="en-US" sz="4000" b="1" dirty="0">
               <a:solidFill>
@@ -14458,41 +14425,7 @@
                   </a:outerShdw>
                 </a:effectLst>
               </a:rPr>
-              <a:t>Data </a:t>
-            </a:r>
-            <a:r>
-              <a:rPr lang="en-US" sz="4000" b="1" dirty="0" smtClean="0">
-                <a:solidFill>
-                  <a:schemeClr val="accent1">
-                    <a:lumMod val="75000"/>
-                  </a:schemeClr>
-                </a:solidFill>
-                <a:effectLst>
-                  <a:outerShdw blurRad="38100" dist="38100" dir="2700000" algn="tl">
-                    <a:srgbClr val="000000">
-                      <a:alpha val="43137"/>
-                    </a:srgbClr>
-                  </a:outerShdw>
-                </a:effectLst>
-              </a:rPr>
-              <a:t>exploration</a:t>
-            </a:r>
-            <a:r>
-              <a:rPr lang="en-US" sz="4000" b="1" dirty="0" smtClean="0">
-                <a:solidFill>
-                  <a:schemeClr val="accent1">
-                    <a:lumMod val="75000"/>
-                  </a:schemeClr>
-                </a:solidFill>
-                <a:effectLst>
-                  <a:outerShdw blurRad="38100" dist="38100" dir="2700000" algn="tl">
-                    <a:srgbClr val="000000">
-                      <a:alpha val="43137"/>
-                    </a:srgbClr>
-                  </a:outerShdw>
-                </a:effectLst>
-              </a:rPr>
-              <a:t>: </a:t>
+              <a:t>Data exploration: </a:t>
             </a:r>
             <a:br>
               <a:rPr lang="en-US" sz="4000" b="1" dirty="0" smtClean="0">
@@ -14525,24 +14458,7 @@
                   </a:outerShdw>
                 </a:effectLst>
               </a:rPr>
-              <a:t>correlations </a:t>
-            </a:r>
-            <a:r>
-              <a:rPr lang="en-US" sz="4000" b="1" dirty="0" smtClean="0">
-                <a:solidFill>
-                  <a:schemeClr val="accent1">
-                    <a:lumMod val="75000"/>
-                  </a:schemeClr>
-                </a:solidFill>
-                <a:effectLst>
-                  <a:outerShdw blurRad="38100" dist="38100" dir="2700000" algn="tl">
-                    <a:srgbClr val="000000">
-                      <a:alpha val="43137"/>
-                    </a:srgbClr>
-                  </a:outerShdw>
-                </a:effectLst>
-              </a:rPr>
-              <a:t>between features and the label</a:t>
+              <a:t>correlations between features and the label</a:t>
             </a:r>
             <a:endParaRPr lang="en-US" sz="4000" b="1" dirty="0">
               <a:solidFill>
@@ -14758,41 +14674,7 @@
                   </a:outerShdw>
                 </a:effectLst>
               </a:rPr>
-              <a:t>Fitting a logistic </a:t>
-            </a:r>
-            <a:r>
-              <a:rPr lang="en-US" sz="4000" b="1" dirty="0" smtClean="0">
-                <a:solidFill>
-                  <a:schemeClr val="accent1">
-                    <a:lumMod val="75000"/>
-                  </a:schemeClr>
-                </a:solidFill>
-                <a:effectLst>
-                  <a:outerShdw blurRad="38100" dist="38100" dir="2700000" algn="tl">
-                    <a:srgbClr val="000000">
-                      <a:alpha val="43137"/>
-                    </a:srgbClr>
-                  </a:outerShdw>
-                </a:effectLst>
-              </a:rPr>
-              <a:t>regression </a:t>
-            </a:r>
-            <a:r>
-              <a:rPr lang="en-US" sz="4000" b="1" dirty="0" smtClean="0">
-                <a:solidFill>
-                  <a:schemeClr val="accent1">
-                    <a:lumMod val="75000"/>
-                  </a:schemeClr>
-                </a:solidFill>
-                <a:effectLst>
-                  <a:outerShdw blurRad="38100" dist="38100" dir="2700000" algn="tl">
-                    <a:srgbClr val="000000">
-                      <a:alpha val="43137"/>
-                    </a:srgbClr>
-                  </a:outerShdw>
-                </a:effectLst>
-              </a:rPr>
-              <a:t>model</a:t>
+              <a:t>Fitting a logistic regression model</a:t>
             </a:r>
             <a:endParaRPr lang="en-US" sz="4000" b="1" dirty="0">
               <a:solidFill>
@@ -14933,15 +14815,7 @@
             <a:pPr algn="just"/>
             <a:r>
               <a:rPr lang="en-US" sz="2400" i="1" dirty="0" smtClean="0"/>
-              <a:t>Befor</a:t>
-            </a:r>
-            <a:r>
-              <a:rPr lang="en-US" sz="2400" i="1" dirty="0" smtClean="0"/>
-              <a:t>e fitting the model, we should correct for the class population imbalance (see report)</a:t>
-            </a:r>
-            <a:r>
-              <a:rPr lang="en-US" sz="2400" i="1" dirty="0" smtClean="0"/>
-              <a:t>.</a:t>
+              <a:t>Before fitting the model, we should correct for the class population imbalance (see report).</a:t>
             </a:r>
             <a:endParaRPr lang="en-US" sz="2400" i="1" dirty="0"/>
           </a:p>
@@ -15069,8 +14943,8 @@
           </a:p>
         </p:txBody>
       </p:sp>
-      <mc:AlternateContent xmlns:mc="http://schemas.openxmlformats.org/markup-compatibility/2006">
-        <mc:Choice xmlns:a14="http://schemas.microsoft.com/office/drawing/2010/main" Requires="a14">
+      <mc:AlternateContent xmlns:mc="http://schemas.openxmlformats.org/markup-compatibility/2006" xmlns:a14="http://schemas.microsoft.com/office/drawing/2010/main">
+        <mc:Choice Requires="a14">
           <p:sp>
             <p:nvSpPr>
               <p:cNvPr id="7" name="TextBox 6"/>
@@ -15098,6 +14972,7 @@
               </a:bodyPr>
               <a:lstStyle/>
               <a:p>
+                <a:pPr/>
                 <a14:m>
                   <m:oMathPara xmlns:m="http://schemas.openxmlformats.org/officeDocument/2006/math">
                     <m:oMathParaPr>
@@ -15128,7 +15003,7 @@
                       <m:f>
                         <m:fPr>
                           <m:ctrlPr>
-                            <a:rPr lang="en-US" sz="2400" b="0" smtClean="0">
+                            <a:rPr lang="en-US" sz="2400" b="0" i="1" smtClean="0">
                               <a:solidFill>
                                 <a:srgbClr val="C00000"/>
                               </a:solidFill>
@@ -15373,7 +15248,7 @@
             </p:txBody>
           </p:sp>
         </mc:Choice>
-        <mc:Fallback>
+        <mc:Fallback xmlns="">
           <p:sp>
             <p:nvSpPr>
               <p:cNvPr id="7" name="TextBox 6"/>
@@ -15417,8 +15292,8 @@
           </p:sp>
         </mc:Fallback>
       </mc:AlternateContent>
-      <mc:AlternateContent xmlns:mc="http://schemas.openxmlformats.org/markup-compatibility/2006">
-        <mc:Choice xmlns:a14="http://schemas.microsoft.com/office/drawing/2010/main" Requires="a14">
+      <mc:AlternateContent xmlns:mc="http://schemas.openxmlformats.org/markup-compatibility/2006" xmlns:a14="http://schemas.microsoft.com/office/drawing/2010/main">
+        <mc:Choice Requires="a14">
           <p:sp>
             <p:nvSpPr>
               <p:cNvPr id="8" name="TextBox 7"/>
@@ -15446,6 +15321,7 @@
               </a:bodyPr>
               <a:lstStyle/>
               <a:p>
+                <a:pPr/>
                 <a14:m>
                   <m:oMathPara xmlns:m="http://schemas.openxmlformats.org/officeDocument/2006/math">
                     <m:oMathParaPr>
@@ -15476,7 +15352,7 @@
                       <m:f>
                         <m:fPr>
                           <m:ctrlPr>
-                            <a:rPr lang="en-US" sz="2400" b="0" smtClean="0">
+                            <a:rPr lang="en-US" sz="2400" b="0" i="1" smtClean="0">
                               <a:solidFill>
                                 <a:srgbClr val="C00000"/>
                               </a:solidFill>
@@ -15710,7 +15586,7 @@
             </p:txBody>
           </p:sp>
         </mc:Choice>
-        <mc:Fallback>
+        <mc:Fallback xmlns="">
           <p:sp>
             <p:nvSpPr>
               <p:cNvPr id="8" name="TextBox 7"/>
@@ -15754,8 +15630,8 @@
           </p:sp>
         </mc:Fallback>
       </mc:AlternateContent>
-      <mc:AlternateContent xmlns:mc="http://schemas.openxmlformats.org/markup-compatibility/2006">
-        <mc:Choice xmlns:a14="http://schemas.microsoft.com/office/drawing/2010/main" Requires="a14">
+      <mc:AlternateContent xmlns:mc="http://schemas.openxmlformats.org/markup-compatibility/2006" xmlns:a14="http://schemas.microsoft.com/office/drawing/2010/main">
+        <mc:Choice Requires="a14">
           <p:sp>
             <p:nvSpPr>
               <p:cNvPr id="10" name="TextBox 9"/>
@@ -15783,6 +15659,7 @@
               </a:bodyPr>
               <a:lstStyle/>
               <a:p>
+                <a:pPr/>
                 <a14:m>
                   <m:oMathPara xmlns:m="http://schemas.openxmlformats.org/officeDocument/2006/math">
                     <m:oMathParaPr>
@@ -15813,7 +15690,7 @@
                       <m:sSup>
                         <m:sSupPr>
                           <m:ctrlPr>
-                            <a:rPr lang="en-US" sz="2400" b="0" smtClean="0">
+                            <a:rPr lang="en-US" sz="2400" b="0" i="1" smtClean="0">
                               <a:solidFill>
                                 <a:srgbClr val="C00000"/>
                               </a:solidFill>
@@ -15827,7 +15704,7 @@
                               <m:begChr m:val="["/>
                               <m:endChr m:val="]"/>
                               <m:ctrlPr>
-                                <a:rPr lang="en-US" sz="2400" b="0" smtClean="0">
+                                <a:rPr lang="en-US" sz="2400" b="0" i="1" smtClean="0">
                                   <a:solidFill>
                                     <a:srgbClr val="C00000"/>
                                   </a:solidFill>
@@ -15839,7 +15716,7 @@
                               <m:f>
                                 <m:fPr>
                                   <m:ctrlPr>
-                                    <a:rPr lang="en-US" sz="2400" b="0" smtClean="0">
+                                    <a:rPr lang="en-US" sz="2400" b="0" i="1" smtClean="0">
                                       <a:solidFill>
                                         <a:srgbClr val="C00000"/>
                                       </a:solidFill>
@@ -15873,7 +15750,7 @@
                               <m:d>
                                 <m:dPr>
                                   <m:ctrlPr>
-                                    <a:rPr lang="en-US" sz="2400" b="0" smtClean="0">
+                                    <a:rPr lang="en-US" sz="2400" b="0" i="1" smtClean="0">
                                       <a:solidFill>
                                         <a:srgbClr val="C00000"/>
                                       </a:solidFill>
@@ -15885,7 +15762,7 @@
                                   <m:f>
                                     <m:fPr>
                                       <m:ctrlPr>
-                                        <a:rPr lang="en-US" sz="2400" b="0" smtClean="0">
+                                        <a:rPr lang="en-US" sz="2400" b="0" i="1" smtClean="0">
                                           <a:solidFill>
                                             <a:srgbClr val="C00000"/>
                                           </a:solidFill>
@@ -15933,7 +15810,7 @@
                               <m:d>
                                 <m:dPr>
                                   <m:ctrlPr>
-                                    <a:rPr lang="en-US" sz="2400" b="0" smtClean="0">
+                                    <a:rPr lang="en-US" sz="2400" b="0" i="1" smtClean="0">
                                       <a:solidFill>
                                         <a:srgbClr val="C00000"/>
                                       </a:solidFill>
@@ -15945,7 +15822,7 @@
                                   <m:f>
                                     <m:fPr>
                                       <m:ctrlPr>
-                                        <a:rPr lang="en-US" sz="2400" b="0" smtClean="0">
+                                        <a:rPr lang="en-US" sz="2400" b="0" i="1" smtClean="0">
                                           <a:solidFill>
                                             <a:srgbClr val="C00000"/>
                                           </a:solidFill>
@@ -16004,7 +15881,7 @@
             </p:txBody>
           </p:sp>
         </mc:Choice>
-        <mc:Fallback>
+        <mc:Fallback xmlns="">
           <p:sp>
             <p:nvSpPr>
               <p:cNvPr id="10" name="TextBox 9"/>

--- a/drought/skill-assessment/Model Event Data/Presentation/Model_event_data_Uganda.pptx
+++ b/drought/skill-assessment/Model Event Data/Presentation/Model_event_data_Uganda.pptx
@@ -12004,15 +12004,7 @@
             </a:r>
             <a:r>
               <a:rPr lang="en-US" b="1" i="1" smtClean="0"/>
-              <a:t>Far </a:t>
-            </a:r>
-            <a:r>
-              <a:rPr lang="en-US" b="1" i="1" smtClean="0"/>
-              <a:t>can we</a:t>
-            </a:r>
-            <a:r>
-              <a:rPr lang="en-US" b="1" i="1" smtClean="0"/>
-              <a:t> </a:t>
+              <a:t>Far can we </a:t>
             </a:r>
             <a:r>
               <a:rPr lang="en-US" b="1" i="1" dirty="0" smtClean="0"/>
@@ -15630,8 +15622,8 @@
           </p:sp>
         </mc:Fallback>
       </mc:AlternateContent>
-      <mc:AlternateContent xmlns:mc="http://schemas.openxmlformats.org/markup-compatibility/2006" xmlns:a14="http://schemas.microsoft.com/office/drawing/2010/main">
-        <mc:Choice Requires="a14">
+      <mc:AlternateContent xmlns:mc="http://schemas.openxmlformats.org/markup-compatibility/2006">
+        <mc:Choice xmlns:a14="http://schemas.microsoft.com/office/drawing/2010/main" Requires="a14">
           <p:sp>
             <p:nvSpPr>
               <p:cNvPr id="10" name="TextBox 9"/>
@@ -15699,6 +15691,40 @@
                           </m:ctrlPr>
                         </m:sSupPr>
                         <m:e>
+                          <m:f>
+                            <m:fPr>
+                              <m:ctrlPr>
+                                <a:rPr lang="en-US" sz="2400" i="1">
+                                  <a:solidFill>
+                                    <a:srgbClr val="C00000"/>
+                                  </a:solidFill>
+                                  <a:latin typeface="Cambria Math" panose="02040503050406030204" pitchFamily="18" charset="0"/>
+                                </a:rPr>
+                              </m:ctrlPr>
+                            </m:fPr>
+                            <m:num>
+                              <m:r>
+                                <a:rPr lang="en-US" sz="2400">
+                                  <a:solidFill>
+                                    <a:srgbClr val="C00000"/>
+                                  </a:solidFill>
+                                  <a:latin typeface="Cambria Math" panose="02040503050406030204" pitchFamily="18" charset="0"/>
+                                </a:rPr>
+                                <m:t>1</m:t>
+                              </m:r>
+                            </m:num>
+                            <m:den>
+                              <m:r>
+                                <a:rPr lang="en-US" sz="2400">
+                                  <a:solidFill>
+                                    <a:srgbClr val="C00000"/>
+                                  </a:solidFill>
+                                  <a:latin typeface="Cambria Math" panose="02040503050406030204" pitchFamily="18" charset="0"/>
+                                </a:rPr>
+                                <m:t>2</m:t>
+                              </m:r>
+                            </m:den>
+                          </m:f>
                           <m:d>
                             <m:dPr>
                               <m:begChr m:val="["/>
@@ -15713,40 +15739,6 @@
                               </m:ctrlPr>
                             </m:dPr>
                             <m:e>
-                              <m:f>
-                                <m:fPr>
-                                  <m:ctrlPr>
-                                    <a:rPr lang="en-US" sz="2400" b="0" i="1" smtClean="0">
-                                      <a:solidFill>
-                                        <a:srgbClr val="C00000"/>
-                                      </a:solidFill>
-                                      <a:latin typeface="Cambria Math" panose="02040503050406030204" pitchFamily="18" charset="0"/>
-                                    </a:rPr>
-                                  </m:ctrlPr>
-                                </m:fPr>
-                                <m:num>
-                                  <m:r>
-                                    <a:rPr lang="en-US" sz="2400" b="0" i="0" smtClean="0">
-                                      <a:solidFill>
-                                        <a:srgbClr val="C00000"/>
-                                      </a:solidFill>
-                                      <a:latin typeface="Cambria Math" panose="02040503050406030204" pitchFamily="18" charset="0"/>
-                                    </a:rPr>
-                                    <m:t>1</m:t>
-                                  </m:r>
-                                </m:num>
-                                <m:den>
-                                  <m:r>
-                                    <a:rPr lang="en-US" sz="2400" b="0" i="0" smtClean="0">
-                                      <a:solidFill>
-                                        <a:srgbClr val="C00000"/>
-                                      </a:solidFill>
-                                      <a:latin typeface="Cambria Math" panose="02040503050406030204" pitchFamily="18" charset="0"/>
-                                    </a:rPr>
-                                    <m:t>2</m:t>
-                                  </m:r>
-                                </m:den>
-                              </m:f>
                               <m:d>
                                 <m:dPr>
                                   <m:ctrlPr>
@@ -15881,7 +15873,7 @@
             </p:txBody>
           </p:sp>
         </mc:Choice>
-        <mc:Fallback xmlns="">
+        <mc:Fallback>
           <p:sp>
             <p:nvSpPr>
               <p:cNvPr id="10" name="TextBox 9"/>
